--- a/웹서버_스몰과제09_20185135_서주현.pptx
+++ b/웹서버_스몰과제09_20185135_서주현.pptx
@@ -20,16 +20,15 @@
     <p:sldId id="292" r:id="rId14"/>
     <p:sldId id="293" r:id="rId15"/>
     <p:sldId id="294" r:id="rId16"/>
-    <p:sldId id="295" r:id="rId17"/>
-    <p:sldId id="268" r:id="rId18"/>
+    <p:sldId id="268" r:id="rId17"/>
   </p:sldIdLst>
   <p:sldSz cx="12192000" cy="6858000"/>
   <p:notesSz cx="6858000" cy="9144000"/>
   <p:embeddedFontLst>
     <p:embeddedFont>
       <p:font typeface="맑은 고딕" panose="020B0503020000020004" pitchFamily="50" charset="-127"/>
-      <p:regular r:id="rId19"/>
-      <p:bold r:id="rId20"/>
+      <p:regular r:id="rId18"/>
+      <p:bold r:id="rId19"/>
     </p:embeddedFont>
   </p:embeddedFontLst>
   <p:defaultTextStyle>
@@ -3352,14 +3351,7 @@
                 <a:latin typeface="+mj-ea"/>
                 <a:ea typeface="+mj-ea"/>
               </a:rPr>
-              <a:t>처음 실행 </a:t>
-            </a:r>
-            <a:r>
-              <a:rPr lang="ko-KR" altLang="en-US" dirty="0" smtClean="0">
-                <a:latin typeface="+mj-ea"/>
-                <a:ea typeface="+mj-ea"/>
-              </a:rPr>
-              <a:t>화면</a:t>
+              <a:t>처음 실행 화면</a:t>
             </a:r>
             <a:r>
               <a:rPr lang="en-US" altLang="ko-KR" dirty="0" smtClean="0">
@@ -3440,14 +3432,7 @@
                 <a:latin typeface="+mj-ea"/>
                 <a:ea typeface="+mj-ea"/>
               </a:rPr>
-              <a:t> 실행 </a:t>
-            </a:r>
-            <a:r>
-              <a:rPr lang="ko-KR" altLang="en-US" dirty="0" smtClean="0">
-                <a:latin typeface="+mj-ea"/>
-                <a:ea typeface="+mj-ea"/>
-              </a:rPr>
-              <a:t>화면</a:t>
+              <a:t> 실행 화면</a:t>
             </a:r>
             <a:r>
               <a:rPr lang="en-US" altLang="ko-KR" dirty="0" smtClean="0">
@@ -4702,7 +4687,7 @@
       </p:sp>
       <p:pic>
         <p:nvPicPr>
-          <p:cNvPr id="3" name="그림 2"/>
+          <p:cNvPr id="6" name="그림 5"/>
           <p:cNvPicPr>
             <a:picLocks noChangeAspect="1"/>
           </p:cNvPicPr>
@@ -4716,8 +4701,8 @@
         </p:blipFill>
         <p:spPr>
           <a:xfrm>
-            <a:off x="399223" y="1870283"/>
-            <a:ext cx="4947610" cy="2593025"/>
+            <a:off x="646263" y="1440870"/>
+            <a:ext cx="5137591" cy="4274130"/>
           </a:xfrm>
           <a:prstGeom prst="rect">
             <a:avLst/>
@@ -4726,7 +4711,7 @@
       </p:pic>
       <p:pic>
         <p:nvPicPr>
-          <p:cNvPr id="4" name="그림 3"/>
+          <p:cNvPr id="7" name="그림 6"/>
           <p:cNvPicPr>
             <a:picLocks noChangeAspect="1"/>
           </p:cNvPicPr>
@@ -4740,32 +4725,8 @@
         </p:blipFill>
         <p:spPr>
           <a:xfrm>
-            <a:off x="404320" y="5028361"/>
-            <a:ext cx="5666719" cy="839140"/>
-          </a:xfrm>
-          <a:prstGeom prst="rect">
-            <a:avLst/>
-          </a:prstGeom>
-        </p:spPr>
-      </p:pic>
-      <p:pic>
-        <p:nvPicPr>
-          <p:cNvPr id="5" name="그림 4"/>
-          <p:cNvPicPr>
-            <a:picLocks noChangeAspect="1"/>
-          </p:cNvPicPr>
-          <p:nvPr/>
-        </p:nvPicPr>
-        <p:blipFill>
-          <a:blip r:embed="rId4"/>
-          <a:stretch>
-            <a:fillRect/>
-          </a:stretch>
-        </p:blipFill>
-        <p:spPr>
-          <a:xfrm>
-            <a:off x="6593541" y="3423600"/>
-            <a:ext cx="5132294" cy="1637296"/>
+            <a:off x="6645829" y="3261827"/>
+            <a:ext cx="4979665" cy="1594538"/>
           </a:xfrm>
           <a:prstGeom prst="rect">
             <a:avLst/>
@@ -4793,263 +4754,6 @@
 </file>
 
 <file path=ppt/slides/slide16.xml><?xml version="1.0" encoding="utf-8"?>
-<p:sld xmlns:a="http://schemas.openxmlformats.org/drawingml/2006/main" xmlns:r="http://schemas.openxmlformats.org/officeDocument/2006/relationships" xmlns:p="http://schemas.openxmlformats.org/presentationml/2006/main">
-  <p:cSld>
-    <p:spTree>
-      <p:nvGrpSpPr>
-        <p:cNvPr id="1" name=""/>
-        <p:cNvGrpSpPr/>
-        <p:nvPr/>
-      </p:nvGrpSpPr>
-      <p:grpSpPr>
-        <a:xfrm>
-          <a:off x="0" y="0"/>
-          <a:ext cx="0" cy="0"/>
-          <a:chOff x="0" y="0"/>
-          <a:chExt cx="0" cy="0"/>
-        </a:xfrm>
-      </p:grpSpPr>
-      <p:sp>
-        <p:nvSpPr>
-          <p:cNvPr id="2" name="제목 1"/>
-          <p:cNvSpPr>
-            <a:spLocks noGrp="1"/>
-          </p:cNvSpPr>
-          <p:nvPr>
-            <p:ph type="title"/>
-          </p:nvPr>
-        </p:nvSpPr>
-        <p:spPr>
-          <a:xfrm>
-            <a:off x="883710" y="369607"/>
-            <a:ext cx="10515600" cy="849593"/>
-          </a:xfrm>
-        </p:spPr>
-        <p:txBody>
-          <a:bodyPr/>
-          <a:lstStyle/>
-          <a:p>
-            <a:r>
-              <a:rPr lang="ko-KR" altLang="en-US" dirty="0" smtClean="0">
-                <a:latin typeface="+mj-ea"/>
-              </a:rPr>
-              <a:t>문제 </a:t>
-            </a:r>
-            <a:r>
-              <a:rPr lang="en-US" altLang="ko-KR" dirty="0" smtClean="0">
-                <a:latin typeface="+mj-ea"/>
-              </a:rPr>
-              <a:t>13</a:t>
-            </a:r>
-            <a:endParaRPr lang="ko-KR" altLang="en-US" dirty="0">
-              <a:latin typeface="+mj-ea"/>
-            </a:endParaRPr>
-          </a:p>
-        </p:txBody>
-      </p:sp>
-      <p:sp>
-        <p:nvSpPr>
-          <p:cNvPr id="11" name="TextBox 10"/>
-          <p:cNvSpPr txBox="1"/>
-          <p:nvPr/>
-        </p:nvSpPr>
-        <p:spPr>
-          <a:xfrm>
-            <a:off x="5365702" y="1513286"/>
-            <a:ext cx="452368" cy="369332"/>
-          </a:xfrm>
-          <a:prstGeom prst="rect">
-            <a:avLst/>
-          </a:prstGeom>
-          <a:noFill/>
-        </p:spPr>
-        <p:txBody>
-          <a:bodyPr wrap="none" rtlCol="0">
-            <a:spAutoFit/>
-          </a:bodyPr>
-          <a:lstStyle/>
-          <a:p>
-            <a:r>
-              <a:rPr lang="en-US" altLang="ko-KR" dirty="0" smtClean="0">
-                <a:solidFill>
-                  <a:schemeClr val="bg1"/>
-                </a:solidFill>
-                <a:latin typeface="+mj-ea"/>
-                <a:ea typeface="+mj-ea"/>
-              </a:rPr>
-              <a:t>(1)</a:t>
-            </a:r>
-            <a:endParaRPr lang="ko-KR" altLang="en-US" dirty="0">
-              <a:solidFill>
-                <a:schemeClr val="bg1"/>
-              </a:solidFill>
-              <a:latin typeface="+mj-ea"/>
-              <a:ea typeface="+mj-ea"/>
-            </a:endParaRPr>
-          </a:p>
-        </p:txBody>
-      </p:sp>
-      <p:sp>
-        <p:nvSpPr>
-          <p:cNvPr id="12" name="TextBox 11"/>
-          <p:cNvSpPr txBox="1"/>
-          <p:nvPr/>
-        </p:nvSpPr>
-        <p:spPr>
-          <a:xfrm>
-            <a:off x="11399310" y="2454482"/>
-            <a:ext cx="452368" cy="369332"/>
-          </a:xfrm>
-          <a:prstGeom prst="rect">
-            <a:avLst/>
-          </a:prstGeom>
-          <a:noFill/>
-        </p:spPr>
-        <p:txBody>
-          <a:bodyPr wrap="none" rtlCol="0">
-            <a:spAutoFit/>
-          </a:bodyPr>
-          <a:lstStyle/>
-          <a:p>
-            <a:r>
-              <a:rPr lang="en-US" altLang="ko-KR" dirty="0" smtClean="0">
-                <a:solidFill>
-                  <a:schemeClr val="bg1"/>
-                </a:solidFill>
-                <a:latin typeface="+mj-ea"/>
-                <a:ea typeface="+mj-ea"/>
-              </a:rPr>
-              <a:t>(2)</a:t>
-            </a:r>
-            <a:endParaRPr lang="ko-KR" altLang="en-US" dirty="0">
-              <a:solidFill>
-                <a:schemeClr val="bg1"/>
-              </a:solidFill>
-              <a:latin typeface="+mj-ea"/>
-              <a:ea typeface="+mj-ea"/>
-            </a:endParaRPr>
-          </a:p>
-        </p:txBody>
-      </p:sp>
-      <p:sp>
-        <p:nvSpPr>
-          <p:cNvPr id="13" name="TextBox 12"/>
-          <p:cNvSpPr txBox="1"/>
-          <p:nvPr/>
-        </p:nvSpPr>
-        <p:spPr>
-          <a:xfrm>
-            <a:off x="8314968" y="5028361"/>
-            <a:ext cx="1595309" cy="369332"/>
-          </a:xfrm>
-          <a:prstGeom prst="rect">
-            <a:avLst/>
-          </a:prstGeom>
-          <a:noFill/>
-        </p:spPr>
-        <p:txBody>
-          <a:bodyPr wrap="none" rtlCol="0">
-            <a:spAutoFit/>
-          </a:bodyPr>
-          <a:lstStyle/>
-          <a:p>
-            <a:r>
-              <a:rPr lang="en-US" altLang="ko-KR" dirty="0" smtClean="0">
-                <a:latin typeface="+mj-ea"/>
-                <a:ea typeface="+mj-ea"/>
-              </a:rPr>
-              <a:t>&lt; </a:t>
-            </a:r>
-            <a:r>
-              <a:rPr lang="ko-KR" altLang="en-US" dirty="0" smtClean="0">
-                <a:latin typeface="+mj-ea"/>
-                <a:ea typeface="+mj-ea"/>
-              </a:rPr>
-              <a:t>실행 화면</a:t>
-            </a:r>
-            <a:r>
-              <a:rPr lang="en-US" altLang="ko-KR" dirty="0" smtClean="0">
-                <a:latin typeface="+mj-ea"/>
-                <a:ea typeface="+mj-ea"/>
-              </a:rPr>
-              <a:t>&gt;</a:t>
-            </a:r>
-            <a:endParaRPr lang="ko-KR" altLang="en-US" dirty="0">
-              <a:latin typeface="+mj-ea"/>
-              <a:ea typeface="+mj-ea"/>
-            </a:endParaRPr>
-          </a:p>
-        </p:txBody>
-      </p:sp>
-      <p:pic>
-        <p:nvPicPr>
-          <p:cNvPr id="6" name="그림 5"/>
-          <p:cNvPicPr>
-            <a:picLocks noChangeAspect="1"/>
-          </p:cNvPicPr>
-          <p:nvPr/>
-        </p:nvPicPr>
-        <p:blipFill>
-          <a:blip r:embed="rId2"/>
-          <a:stretch>
-            <a:fillRect/>
-          </a:stretch>
-        </p:blipFill>
-        <p:spPr>
-          <a:xfrm>
-            <a:off x="94129" y="2416277"/>
-            <a:ext cx="6268099" cy="2612084"/>
-          </a:xfrm>
-          <a:prstGeom prst="rect">
-            <a:avLst/>
-          </a:prstGeom>
-        </p:spPr>
-      </p:pic>
-      <p:pic>
-        <p:nvPicPr>
-          <p:cNvPr id="7" name="그림 6"/>
-          <p:cNvPicPr>
-            <a:picLocks noChangeAspect="1"/>
-          </p:cNvPicPr>
-          <p:nvPr/>
-        </p:nvPicPr>
-        <p:blipFill>
-          <a:blip r:embed="rId3"/>
-          <a:stretch>
-            <a:fillRect/>
-          </a:stretch>
-        </p:blipFill>
-        <p:spPr>
-          <a:xfrm>
-            <a:off x="7067680" y="3566477"/>
-            <a:ext cx="4089884" cy="1364864"/>
-          </a:xfrm>
-          <a:prstGeom prst="rect">
-            <a:avLst/>
-          </a:prstGeom>
-        </p:spPr>
-      </p:pic>
-    </p:spTree>
-    <p:extLst>
-      <p:ext uri="{BB962C8B-B14F-4D97-AF65-F5344CB8AC3E}">
-        <p14:creationId xmlns:p14="http://schemas.microsoft.com/office/powerpoint/2010/main" val="2932283341"/>
-      </p:ext>
-    </p:extLst>
-  </p:cSld>
-  <p:clrMapOvr>
-    <a:masterClrMapping/>
-  </p:clrMapOvr>
-  <p:timing>
-    <p:tnLst>
-      <p:par>
-        <p:cTn id="1" dur="indefinite" restart="never" nodeType="tmRoot"/>
-      </p:par>
-    </p:tnLst>
-  </p:timing>
-</p:sld>
-</file>
-
-<file path=ppt/slides/slide17.xml><?xml version="1.0" encoding="utf-8"?>
 <p:sld xmlns:a="http://schemas.openxmlformats.org/drawingml/2006/main" xmlns:r="http://schemas.openxmlformats.org/officeDocument/2006/relationships" xmlns:p="http://schemas.openxmlformats.org/presentationml/2006/main">
   <p:cSld>
     <p:spTree>
